--- a/UC präsi.pptx
+++ b/UC präsi.pptx
@@ -120,6 +120,43 @@
 </p:presentation>
 </file>
 
+<file path=ppt/changesInfos/changesInfo1.xml><?xml version="1.0" encoding="utf-8"?>
+<pc:chgInfo xmlns:a="http://schemas.openxmlformats.org/drawingml/2006/main" xmlns:r="http://schemas.openxmlformats.org/officeDocument/2006/relationships" xmlns:ac="http://schemas.microsoft.com/office/drawing/2013/main/command" xmlns:pc="http://schemas.microsoft.com/office/powerpoint/2013/main/command">
+  <pc:docChgLst>
+    <pc:chgData name="Florian Bregler" userId="509c3410-11d6-49f1-b320-97c10c7ffd0c" providerId="ADAL" clId="{E1C23732-67D4-4533-8B50-E55D2ED9C2C1}"/>
+    <pc:docChg chg="undo custSel modSld">
+      <pc:chgData name="Florian Bregler" userId="509c3410-11d6-49f1-b320-97c10c7ffd0c" providerId="ADAL" clId="{E1C23732-67D4-4533-8B50-E55D2ED9C2C1}" dt="2020-02-14T09:20:48.329" v="5" actId="20577"/>
+      <pc:docMkLst>
+        <pc:docMk/>
+      </pc:docMkLst>
+      <pc:sldChg chg="modSp">
+        <pc:chgData name="Florian Bregler" userId="509c3410-11d6-49f1-b320-97c10c7ffd0c" providerId="ADAL" clId="{E1C23732-67D4-4533-8B50-E55D2ED9C2C1}" dt="2020-02-14T09:20:48.329" v="5" actId="20577"/>
+        <pc:sldMkLst>
+          <pc:docMk/>
+          <pc:sldMk cId="1966698010" sldId="256"/>
+        </pc:sldMkLst>
+        <pc:spChg chg="mod">
+          <ac:chgData name="Florian Bregler" userId="509c3410-11d6-49f1-b320-97c10c7ffd0c" providerId="ADAL" clId="{E1C23732-67D4-4533-8B50-E55D2ED9C2C1}" dt="2020-02-14T09:20:48.329" v="5" actId="20577"/>
+          <ac:spMkLst>
+            <pc:docMk/>
+            <pc:sldMk cId="1966698010" sldId="256"/>
+            <ac:spMk id="2" creationId="{B7DE66E6-AB63-4234-A866-579AD1D2F5E2}"/>
+          </ac:spMkLst>
+        </pc:spChg>
+        <pc:spChg chg="mod">
+          <ac:chgData name="Florian Bregler" userId="509c3410-11d6-49f1-b320-97c10c7ffd0c" providerId="ADAL" clId="{E1C23732-67D4-4533-8B50-E55D2ED9C2C1}" dt="2020-02-14T09:20:46.987" v="3" actId="20577"/>
+          <ac:spMkLst>
+            <pc:docMk/>
+            <pc:sldMk cId="1966698010" sldId="256"/>
+            <ac:spMk id="3" creationId="{F64C5FBC-C310-476D-8CB7-21BE1EB1B58B}"/>
+          </ac:spMkLst>
+        </pc:spChg>
+      </pc:sldChg>
+    </pc:docChg>
+  </pc:docChgLst>
+</pc:chgInfo>
+</file>
+
 <file path=ppt/slideLayouts/slideLayout1.xml><?xml version="1.0" encoding="utf-8"?>
 <p:sldLayout xmlns:a="http://schemas.openxmlformats.org/drawingml/2006/main" xmlns:r="http://schemas.openxmlformats.org/officeDocument/2006/relationships" xmlns:p="http://schemas.openxmlformats.org/presentationml/2006/main" type="title" preserve="1">
   <p:cSld name="Titelfolie">
@@ -269,7 +306,7 @@
           <a:p>
             <a:fld id="{8ABC0783-4582-425A-832D-A75109E41542}" type="datetimeFigureOut">
               <a:rPr lang="en-GB" smtClean="0"/>
-              <a:t>08/11/2019</a:t>
+              <a:t>14/02/2020</a:t>
             </a:fld>
             <a:endParaRPr lang="en-GB"/>
           </a:p>
@@ -469,7 +506,7 @@
           <a:p>
             <a:fld id="{8ABC0783-4582-425A-832D-A75109E41542}" type="datetimeFigureOut">
               <a:rPr lang="en-GB" smtClean="0"/>
-              <a:t>08/11/2019</a:t>
+              <a:t>14/02/2020</a:t>
             </a:fld>
             <a:endParaRPr lang="en-GB"/>
           </a:p>
@@ -679,7 +716,7 @@
           <a:p>
             <a:fld id="{8ABC0783-4582-425A-832D-A75109E41542}" type="datetimeFigureOut">
               <a:rPr lang="en-GB" smtClean="0"/>
-              <a:t>08/11/2019</a:t>
+              <a:t>14/02/2020</a:t>
             </a:fld>
             <a:endParaRPr lang="en-GB"/>
           </a:p>
@@ -879,7 +916,7 @@
           <a:p>
             <a:fld id="{8ABC0783-4582-425A-832D-A75109E41542}" type="datetimeFigureOut">
               <a:rPr lang="en-GB" smtClean="0"/>
-              <a:t>08/11/2019</a:t>
+              <a:t>14/02/2020</a:t>
             </a:fld>
             <a:endParaRPr lang="en-GB"/>
           </a:p>
@@ -1155,7 +1192,7 @@
           <a:p>
             <a:fld id="{8ABC0783-4582-425A-832D-A75109E41542}" type="datetimeFigureOut">
               <a:rPr lang="en-GB" smtClean="0"/>
-              <a:t>08/11/2019</a:t>
+              <a:t>14/02/2020</a:t>
             </a:fld>
             <a:endParaRPr lang="en-GB"/>
           </a:p>
@@ -1423,7 +1460,7 @@
           <a:p>
             <a:fld id="{8ABC0783-4582-425A-832D-A75109E41542}" type="datetimeFigureOut">
               <a:rPr lang="en-GB" smtClean="0"/>
-              <a:t>08/11/2019</a:t>
+              <a:t>14/02/2020</a:t>
             </a:fld>
             <a:endParaRPr lang="en-GB"/>
           </a:p>
@@ -1838,7 +1875,7 @@
           <a:p>
             <a:fld id="{8ABC0783-4582-425A-832D-A75109E41542}" type="datetimeFigureOut">
               <a:rPr lang="en-GB" smtClean="0"/>
-              <a:t>08/11/2019</a:t>
+              <a:t>14/02/2020</a:t>
             </a:fld>
             <a:endParaRPr lang="en-GB"/>
           </a:p>
@@ -1980,7 +2017,7 @@
           <a:p>
             <a:fld id="{8ABC0783-4582-425A-832D-A75109E41542}" type="datetimeFigureOut">
               <a:rPr lang="en-GB" smtClean="0"/>
-              <a:t>08/11/2019</a:t>
+              <a:t>14/02/2020</a:t>
             </a:fld>
             <a:endParaRPr lang="en-GB"/>
           </a:p>
@@ -2093,7 +2130,7 @@
           <a:p>
             <a:fld id="{8ABC0783-4582-425A-832D-A75109E41542}" type="datetimeFigureOut">
               <a:rPr lang="en-GB" smtClean="0"/>
-              <a:t>08/11/2019</a:t>
+              <a:t>14/02/2020</a:t>
             </a:fld>
             <a:endParaRPr lang="en-GB"/>
           </a:p>
@@ -2406,7 +2443,7 @@
           <a:p>
             <a:fld id="{8ABC0783-4582-425A-832D-A75109E41542}" type="datetimeFigureOut">
               <a:rPr lang="en-GB" smtClean="0"/>
-              <a:t>08/11/2019</a:t>
+              <a:t>14/02/2020</a:t>
             </a:fld>
             <a:endParaRPr lang="en-GB"/>
           </a:p>
@@ -2695,7 +2732,7 @@
           <a:p>
             <a:fld id="{8ABC0783-4582-425A-832D-A75109E41542}" type="datetimeFigureOut">
               <a:rPr lang="en-GB" smtClean="0"/>
-              <a:t>08/11/2019</a:t>
+              <a:t>14/02/2020</a:t>
             </a:fld>
             <a:endParaRPr lang="en-GB"/>
           </a:p>
@@ -2938,7 +2975,7 @@
           <a:p>
             <a:fld id="{8ABC0783-4582-425A-832D-A75109E41542}" type="datetimeFigureOut">
               <a:rPr lang="en-GB" smtClean="0"/>
-              <a:t>08/11/2019</a:t>
+              <a:t>14/02/2020</a:t>
             </a:fld>
             <a:endParaRPr lang="en-GB"/>
           </a:p>
